--- a/figure preparation.pptx
+++ b/figure preparation.pptx
@@ -5,7 +5,7 @@
     <p:sldMasterId id="2147483648" r:id="rId1"/>
   </p:sldMasterIdLst>
   <p:notesMasterIdLst>
-    <p:notesMasterId r:id="rId9"/>
+    <p:notesMasterId r:id="rId10"/>
   </p:notesMasterIdLst>
   <p:sldIdLst>
     <p:sldId id="263" r:id="rId2"/>
@@ -15,6 +15,7 @@
     <p:sldId id="256" r:id="rId6"/>
     <p:sldId id="258" r:id="rId7"/>
     <p:sldId id="260" r:id="rId8"/>
+    <p:sldId id="265" r:id="rId9"/>
   </p:sldIdLst>
   <p:sldSz cx="12192000" cy="6858000"/>
   <p:notesSz cx="6858000" cy="9144000"/>
@@ -113,6 +114,11 @@
       </a:defRPr>
     </a:lvl9pPr>
   </p:defaultTextStyle>
+  <p:extLst>
+    <p:ext uri="{EFAFB233-063F-42B5-8137-9DF3F51BA10A}">
+      <p15:sldGuideLst xmlns:p15="http://schemas.microsoft.com/office/powerpoint/2012/main"/>
+    </p:ext>
+  </p:extLst>
 </p:presentation>
 </file>
 
@@ -198,7 +204,7 @@
           <a:p>
             <a:fld id="{1F8D3C0A-2E85-2C47-913C-1CAFD4BE0A70}" type="datetimeFigureOut">
               <a:rPr lang="en-US" smtClean="0"/>
-              <a:t>4/10/18</a:t>
+              <a:t>4/11/18</a:t>
             </a:fld>
             <a:endParaRPr lang="en-US"/>
           </a:p>
@@ -597,7 +603,7 @@
           <a:p>
             <a:fld id="{64FF53F0-7361-3E4D-91AC-B111E74B4E83}" type="datetimeFigureOut">
               <a:rPr lang="en-US" smtClean="0"/>
-              <a:t>4/10/18</a:t>
+              <a:t>4/11/18</a:t>
             </a:fld>
             <a:endParaRPr lang="en-US"/>
           </a:p>
@@ -767,7 +773,7 @@
           <a:p>
             <a:fld id="{64FF53F0-7361-3E4D-91AC-B111E74B4E83}" type="datetimeFigureOut">
               <a:rPr lang="en-US" smtClean="0"/>
-              <a:t>4/10/18</a:t>
+              <a:t>4/11/18</a:t>
             </a:fld>
             <a:endParaRPr lang="en-US"/>
           </a:p>
@@ -947,7 +953,7 @@
           <a:p>
             <a:fld id="{64FF53F0-7361-3E4D-91AC-B111E74B4E83}" type="datetimeFigureOut">
               <a:rPr lang="en-US" smtClean="0"/>
-              <a:t>4/10/18</a:t>
+              <a:t>4/11/18</a:t>
             </a:fld>
             <a:endParaRPr lang="en-US"/>
           </a:p>
@@ -1117,7 +1123,7 @@
           <a:p>
             <a:fld id="{64FF53F0-7361-3E4D-91AC-B111E74B4E83}" type="datetimeFigureOut">
               <a:rPr lang="en-US" smtClean="0"/>
-              <a:t>4/10/18</a:t>
+              <a:t>4/11/18</a:t>
             </a:fld>
             <a:endParaRPr lang="en-US"/>
           </a:p>
@@ -1363,7 +1369,7 @@
           <a:p>
             <a:fld id="{64FF53F0-7361-3E4D-91AC-B111E74B4E83}" type="datetimeFigureOut">
               <a:rPr lang="en-US" smtClean="0"/>
-              <a:t>4/10/18</a:t>
+              <a:t>4/11/18</a:t>
             </a:fld>
             <a:endParaRPr lang="en-US"/>
           </a:p>
@@ -1595,7 +1601,7 @@
           <a:p>
             <a:fld id="{64FF53F0-7361-3E4D-91AC-B111E74B4E83}" type="datetimeFigureOut">
               <a:rPr lang="en-US" smtClean="0"/>
-              <a:t>4/10/18</a:t>
+              <a:t>4/11/18</a:t>
             </a:fld>
             <a:endParaRPr lang="en-US"/>
           </a:p>
@@ -1962,7 +1968,7 @@
           <a:p>
             <a:fld id="{64FF53F0-7361-3E4D-91AC-B111E74B4E83}" type="datetimeFigureOut">
               <a:rPr lang="en-US" smtClean="0"/>
-              <a:t>4/10/18</a:t>
+              <a:t>4/11/18</a:t>
             </a:fld>
             <a:endParaRPr lang="en-US"/>
           </a:p>
@@ -2080,7 +2086,7 @@
           <a:p>
             <a:fld id="{64FF53F0-7361-3E4D-91AC-B111E74B4E83}" type="datetimeFigureOut">
               <a:rPr lang="en-US" smtClean="0"/>
-              <a:t>4/10/18</a:t>
+              <a:t>4/11/18</a:t>
             </a:fld>
             <a:endParaRPr lang="en-US"/>
           </a:p>
@@ -2175,7 +2181,7 @@
           <a:p>
             <a:fld id="{64FF53F0-7361-3E4D-91AC-B111E74B4E83}" type="datetimeFigureOut">
               <a:rPr lang="en-US" smtClean="0"/>
-              <a:t>4/10/18</a:t>
+              <a:t>4/11/18</a:t>
             </a:fld>
             <a:endParaRPr lang="en-US"/>
           </a:p>
@@ -2452,7 +2458,7 @@
           <a:p>
             <a:fld id="{64FF53F0-7361-3E4D-91AC-B111E74B4E83}" type="datetimeFigureOut">
               <a:rPr lang="en-US" smtClean="0"/>
-              <a:t>4/10/18</a:t>
+              <a:t>4/11/18</a:t>
             </a:fld>
             <a:endParaRPr lang="en-US"/>
           </a:p>
@@ -2705,7 +2711,7 @@
           <a:p>
             <a:fld id="{64FF53F0-7361-3E4D-91AC-B111E74B4E83}" type="datetimeFigureOut">
               <a:rPr lang="en-US" smtClean="0"/>
-              <a:t>4/10/18</a:t>
+              <a:t>4/11/18</a:t>
             </a:fld>
             <a:endParaRPr lang="en-US"/>
           </a:p>
@@ -2918,7 +2924,7 @@
           <a:p>
             <a:fld id="{64FF53F0-7361-3E4D-91AC-B111E74B4E83}" type="datetimeFigureOut">
               <a:rPr lang="en-US" smtClean="0"/>
-              <a:t>4/10/18</a:t>
+              <a:t>4/11/18</a:t>
             </a:fld>
             <a:endParaRPr lang="en-US"/>
           </a:p>
@@ -4064,8 +4070,8 @@
           </a:p>
         </p:txBody>
       </p:sp>
-      <mc:AlternateContent xmlns:mc="http://schemas.openxmlformats.org/markup-compatibility/2006">
-        <mc:Choice xmlns:a14="http://schemas.microsoft.com/office/drawing/2010/main" Requires="a14">
+      <mc:AlternateContent xmlns:mc="http://schemas.openxmlformats.org/markup-compatibility/2006" xmlns:a14="http://schemas.microsoft.com/office/drawing/2010/main">
+        <mc:Choice Requires="a14">
           <p:sp>
             <p:nvSpPr>
               <p:cNvPr id="9" name="TextBox 8"/>
@@ -4088,6 +4094,7 @@
               </a:bodyPr>
               <a:lstStyle/>
               <a:p>
+                <a:pPr/>
                 <a14:m>
                   <m:oMathPara xmlns:m="http://schemas.openxmlformats.org/officeDocument/2006/math">
                     <m:oMathParaPr>
@@ -4146,7 +4153,7 @@
             </p:txBody>
           </p:sp>
         </mc:Choice>
-        <mc:Fallback>
+        <mc:Fallback xmlns="">
           <p:sp>
             <p:nvSpPr>
               <p:cNvPr id="9" name="TextBox 8"/>
@@ -4185,8 +4192,8 @@
           </p:sp>
         </mc:Fallback>
       </mc:AlternateContent>
-      <mc:AlternateContent xmlns:mc="http://schemas.openxmlformats.org/markup-compatibility/2006">
-        <mc:Choice xmlns:a14="http://schemas.microsoft.com/office/drawing/2010/main" Requires="a14">
+      <mc:AlternateContent xmlns:mc="http://schemas.openxmlformats.org/markup-compatibility/2006" xmlns:a14="http://schemas.microsoft.com/office/drawing/2010/main">
+        <mc:Choice Requires="a14">
           <p:sp>
             <p:nvSpPr>
               <p:cNvPr id="10" name="TextBox 9"/>
@@ -4209,6 +4216,7 @@
               </a:bodyPr>
               <a:lstStyle/>
               <a:p>
+                <a:pPr/>
                 <a14:m>
                   <m:oMathPara xmlns:m="http://schemas.openxmlformats.org/officeDocument/2006/math">
                     <m:oMathParaPr>
@@ -4267,7 +4275,7 @@
             </p:txBody>
           </p:sp>
         </mc:Choice>
-        <mc:Fallback>
+        <mc:Fallback xmlns="">
           <p:sp>
             <p:nvSpPr>
               <p:cNvPr id="10" name="TextBox 9"/>
@@ -4524,8 +4532,8 @@
           </a:p>
         </p:txBody>
       </p:sp>
-      <mc:AlternateContent xmlns:mc="http://schemas.openxmlformats.org/markup-compatibility/2006">
-        <mc:Choice xmlns:a14="http://schemas.microsoft.com/office/drawing/2010/main" Requires="a14">
+      <mc:AlternateContent xmlns:mc="http://schemas.openxmlformats.org/markup-compatibility/2006" xmlns:a14="http://schemas.microsoft.com/office/drawing/2010/main">
+        <mc:Choice Requires="a14">
           <p:sp>
             <p:nvSpPr>
               <p:cNvPr id="13" name="TextBox 12"/>
@@ -4548,6 +4556,7 @@
               </a:bodyPr>
               <a:lstStyle/>
               <a:p>
+                <a:pPr/>
                 <a14:m>
                   <m:oMathPara xmlns:m="http://schemas.openxmlformats.org/officeDocument/2006/math">
                     <m:oMathParaPr>
@@ -4618,7 +4627,7 @@
             </p:txBody>
           </p:sp>
         </mc:Choice>
-        <mc:Fallback>
+        <mc:Fallback xmlns="">
           <p:sp>
             <p:nvSpPr>
               <p:cNvPr id="13" name="TextBox 12"/>
@@ -4657,8 +4666,8 @@
           </p:sp>
         </mc:Fallback>
       </mc:AlternateContent>
-      <mc:AlternateContent xmlns:mc="http://schemas.openxmlformats.org/markup-compatibility/2006">
-        <mc:Choice xmlns:a14="http://schemas.microsoft.com/office/drawing/2010/main" Requires="a14">
+      <mc:AlternateContent xmlns:mc="http://schemas.openxmlformats.org/markup-compatibility/2006" xmlns:a14="http://schemas.microsoft.com/office/drawing/2010/main">
+        <mc:Choice Requires="a14">
           <p:sp>
             <p:nvSpPr>
               <p:cNvPr id="14" name="TextBox 13"/>
@@ -4681,6 +4690,7 @@
               </a:bodyPr>
               <a:lstStyle/>
               <a:p>
+                <a:pPr/>
                 <a14:m>
                   <m:oMathPara xmlns:m="http://schemas.openxmlformats.org/officeDocument/2006/math">
                     <m:oMathParaPr>
@@ -4751,7 +4761,7 @@
             </p:txBody>
           </p:sp>
         </mc:Choice>
-        <mc:Fallback>
+        <mc:Fallback xmlns="">
           <p:sp>
             <p:nvSpPr>
               <p:cNvPr id="14" name="TextBox 13"/>
@@ -5148,8 +5158,8 @@
           </a:p>
         </p:txBody>
       </p:sp>
-      <mc:AlternateContent xmlns:mc="http://schemas.openxmlformats.org/markup-compatibility/2006">
-        <mc:Choice xmlns:a14="http://schemas.microsoft.com/office/drawing/2010/main" Requires="a14">
+      <mc:AlternateContent xmlns:mc="http://schemas.openxmlformats.org/markup-compatibility/2006" xmlns:a14="http://schemas.microsoft.com/office/drawing/2010/main">
+        <mc:Choice Requires="a14">
           <p:sp>
             <p:nvSpPr>
               <p:cNvPr id="10" name="TextBox 9"/>
@@ -5172,6 +5182,7 @@
               </a:bodyPr>
               <a:lstStyle/>
               <a:p>
+                <a:pPr/>
                 <a14:m>
                   <m:oMathPara xmlns:m="http://schemas.openxmlformats.org/officeDocument/2006/math">
                     <m:oMathParaPr>
@@ -5230,7 +5241,7 @@
             </p:txBody>
           </p:sp>
         </mc:Choice>
-        <mc:Fallback>
+        <mc:Fallback xmlns="">
           <p:sp>
             <p:nvSpPr>
               <p:cNvPr id="10" name="TextBox 9"/>
@@ -5269,8 +5280,8 @@
           </p:sp>
         </mc:Fallback>
       </mc:AlternateContent>
-      <mc:AlternateContent xmlns:mc="http://schemas.openxmlformats.org/markup-compatibility/2006">
-        <mc:Choice xmlns:a14="http://schemas.microsoft.com/office/drawing/2010/main" Requires="a14">
+      <mc:AlternateContent xmlns:mc="http://schemas.openxmlformats.org/markup-compatibility/2006" xmlns:a14="http://schemas.microsoft.com/office/drawing/2010/main">
+        <mc:Choice Requires="a14">
           <p:sp>
             <p:nvSpPr>
               <p:cNvPr id="14" name="TextBox 13"/>
@@ -5293,6 +5304,7 @@
               </a:bodyPr>
               <a:lstStyle/>
               <a:p>
+                <a:pPr/>
                 <a14:m>
                   <m:oMathPara xmlns:m="http://schemas.openxmlformats.org/officeDocument/2006/math">
                     <m:oMathParaPr>
@@ -5363,7 +5375,7 @@
             </p:txBody>
           </p:sp>
         </mc:Choice>
-        <mc:Fallback>
+        <mc:Fallback xmlns="">
           <p:sp>
             <p:nvSpPr>
               <p:cNvPr id="14" name="TextBox 13"/>
@@ -6133,6 +6145,73 @@
     <p:extLst>
       <p:ext uri="{BB962C8B-B14F-4D97-AF65-F5344CB8AC3E}">
         <p14:creationId xmlns:p14="http://schemas.microsoft.com/office/powerpoint/2010/main" val="436038061"/>
+      </p:ext>
+    </p:extLst>
+  </p:cSld>
+  <p:clrMapOvr>
+    <a:masterClrMapping/>
+  </p:clrMapOvr>
+  <p:timing>
+    <p:tnLst>
+      <p:par>
+        <p:cTn id="1" dur="indefinite" restart="never" nodeType="tmRoot"/>
+      </p:par>
+    </p:tnLst>
+  </p:timing>
+</p:sld>
+</file>
+
+<file path=ppt/slides/slide8.xml><?xml version="1.0" encoding="utf-8"?>
+<p:sld xmlns:a="http://schemas.openxmlformats.org/drawingml/2006/main" xmlns:r="http://schemas.openxmlformats.org/officeDocument/2006/relationships" xmlns:p="http://schemas.openxmlformats.org/presentationml/2006/main">
+  <p:cSld>
+    <p:spTree>
+      <p:nvGrpSpPr>
+        <p:cNvPr id="1" name=""/>
+        <p:cNvGrpSpPr/>
+        <p:nvPr/>
+      </p:nvGrpSpPr>
+      <p:grpSpPr>
+        <a:xfrm>
+          <a:off x="0" y="0"/>
+          <a:ext cx="0" cy="0"/>
+          <a:chOff x="0" y="0"/>
+          <a:chExt cx="0" cy="0"/>
+        </a:xfrm>
+      </p:grpSpPr>
+      <p:pic>
+        <p:nvPicPr>
+          <p:cNvPr id="5" name="Picture 4"/>
+          <p:cNvPicPr>
+            <a:picLocks noChangeAspect="1"/>
+          </p:cNvPicPr>
+          <p:nvPr/>
+        </p:nvPicPr>
+        <p:blipFill>
+          <a:blip r:embed="rId2">
+            <a:extLst>
+              <a:ext uri="{28A0092B-C50C-407E-A947-70E740481C1C}">
+                <a14:useLocalDpi xmlns:a14="http://schemas.microsoft.com/office/drawing/2010/main" val="0"/>
+              </a:ext>
+            </a:extLst>
+          </a:blip>
+          <a:stretch>
+            <a:fillRect/>
+          </a:stretch>
+        </p:blipFill>
+        <p:spPr>
+          <a:xfrm>
+            <a:off x="3225800" y="0"/>
+            <a:ext cx="5727290" cy="6858000"/>
+          </a:xfrm>
+          <a:prstGeom prst="rect">
+            <a:avLst/>
+          </a:prstGeom>
+        </p:spPr>
+      </p:pic>
+    </p:spTree>
+    <p:extLst>
+      <p:ext uri="{BB962C8B-B14F-4D97-AF65-F5344CB8AC3E}">
+        <p14:creationId xmlns:p14="http://schemas.microsoft.com/office/powerpoint/2010/main" val="2116530567"/>
       </p:ext>
     </p:extLst>
   </p:cSld>

--- a/figure preparation.pptx
+++ b/figure preparation.pptx
@@ -5,7 +5,7 @@
     <p:sldMasterId id="2147483648" r:id="rId1"/>
   </p:sldMasterIdLst>
   <p:notesMasterIdLst>
-    <p:notesMasterId r:id="rId10"/>
+    <p:notesMasterId r:id="rId13"/>
   </p:notesMasterIdLst>
   <p:sldIdLst>
     <p:sldId id="263" r:id="rId2"/>
@@ -16,6 +16,9 @@
     <p:sldId id="258" r:id="rId7"/>
     <p:sldId id="260" r:id="rId8"/>
     <p:sldId id="265" r:id="rId9"/>
+    <p:sldId id="266" r:id="rId10"/>
+    <p:sldId id="267" r:id="rId11"/>
+    <p:sldId id="268" r:id="rId12"/>
   </p:sldIdLst>
   <p:sldSz cx="12192000" cy="6858000"/>
   <p:notesSz cx="6858000" cy="9144000"/>
@@ -3475,6 +3478,222 @@
 </p:sld>
 </file>
 
+<file path=ppt/slides/slide10.xml><?xml version="1.0" encoding="utf-8"?>
+<p:sld xmlns:a="http://schemas.openxmlformats.org/drawingml/2006/main" xmlns:r="http://schemas.openxmlformats.org/officeDocument/2006/relationships" xmlns:p="http://schemas.openxmlformats.org/presentationml/2006/main">
+  <p:cSld>
+    <p:spTree>
+      <p:nvGrpSpPr>
+        <p:cNvPr id="1" name=""/>
+        <p:cNvGrpSpPr/>
+        <p:nvPr/>
+      </p:nvGrpSpPr>
+      <p:grpSpPr>
+        <a:xfrm>
+          <a:off x="0" y="0"/>
+          <a:ext cx="0" cy="0"/>
+          <a:chOff x="0" y="0"/>
+          <a:chExt cx="0" cy="0"/>
+        </a:xfrm>
+      </p:grpSpPr>
+      <p:pic>
+        <p:nvPicPr>
+          <p:cNvPr id="4" name="Picture 3"/>
+          <p:cNvPicPr>
+            <a:picLocks noChangeAspect="1"/>
+          </p:cNvPicPr>
+          <p:nvPr/>
+        </p:nvPicPr>
+        <p:blipFill>
+          <a:blip r:embed="rId2">
+            <a:extLst>
+              <a:ext uri="{28A0092B-C50C-407E-A947-70E740481C1C}">
+                <a14:useLocalDpi xmlns:a14="http://schemas.microsoft.com/office/drawing/2010/main" val="0"/>
+              </a:ext>
+            </a:extLst>
+          </a:blip>
+          <a:stretch>
+            <a:fillRect/>
+          </a:stretch>
+        </p:blipFill>
+        <p:spPr>
+          <a:xfrm>
+            <a:off x="0" y="0"/>
+            <a:ext cx="12192000" cy="6858000"/>
+          </a:xfrm>
+          <a:prstGeom prst="rect">
+            <a:avLst/>
+          </a:prstGeom>
+        </p:spPr>
+      </p:pic>
+      <p:sp>
+        <p:nvSpPr>
+          <p:cNvPr id="5" name="TextBox 4"/>
+          <p:cNvSpPr txBox="1"/>
+          <p:nvPr/>
+        </p:nvSpPr>
+        <p:spPr>
+          <a:xfrm>
+            <a:off x="2791326" y="5546558"/>
+            <a:ext cx="6858000" cy="461665"/>
+          </a:xfrm>
+          <a:prstGeom prst="rect">
+            <a:avLst/>
+          </a:prstGeom>
+          <a:solidFill>
+            <a:schemeClr val="bg1"/>
+          </a:solidFill>
+        </p:spPr>
+        <p:txBody>
+          <a:bodyPr wrap="square" rtlCol="0">
+            <a:spAutoFit/>
+          </a:bodyPr>
+          <a:lstStyle/>
+          <a:p>
+            <a:pPr algn="ctr"/>
+            <a:r>
+              <a:rPr lang="en-US" sz="2400" dirty="0" smtClean="0">
+                <a:latin typeface="Times New Roman" charset="0"/>
+                <a:ea typeface="Times New Roman" charset="0"/>
+                <a:cs typeface="Times New Roman" charset="0"/>
+              </a:rPr>
+              <a:t>LMP sensitivity on load variation at bus C</a:t>
+            </a:r>
+            <a:endParaRPr lang="en-US" sz="2400" dirty="0">
+              <a:latin typeface="Times New Roman" charset="0"/>
+              <a:ea typeface="Times New Roman" charset="0"/>
+              <a:cs typeface="Times New Roman" charset="0"/>
+            </a:endParaRPr>
+          </a:p>
+        </p:txBody>
+      </p:sp>
+    </p:spTree>
+    <p:extLst>
+      <p:ext uri="{BB962C8B-B14F-4D97-AF65-F5344CB8AC3E}">
+        <p14:creationId xmlns:p14="http://schemas.microsoft.com/office/powerpoint/2010/main" val="619010574"/>
+      </p:ext>
+    </p:extLst>
+  </p:cSld>
+  <p:clrMapOvr>
+    <a:masterClrMapping/>
+  </p:clrMapOvr>
+  <p:timing>
+    <p:tnLst>
+      <p:par>
+        <p:cTn id="1" dur="indefinite" restart="never" nodeType="tmRoot"/>
+      </p:par>
+    </p:tnLst>
+  </p:timing>
+</p:sld>
+</file>
+
+<file path=ppt/slides/slide11.xml><?xml version="1.0" encoding="utf-8"?>
+<p:sld xmlns:a="http://schemas.openxmlformats.org/drawingml/2006/main" xmlns:r="http://schemas.openxmlformats.org/officeDocument/2006/relationships" xmlns:p="http://schemas.openxmlformats.org/presentationml/2006/main">
+  <p:cSld>
+    <p:spTree>
+      <p:nvGrpSpPr>
+        <p:cNvPr id="1" name=""/>
+        <p:cNvGrpSpPr/>
+        <p:nvPr/>
+      </p:nvGrpSpPr>
+      <p:grpSpPr>
+        <a:xfrm>
+          <a:off x="0" y="0"/>
+          <a:ext cx="0" cy="0"/>
+          <a:chOff x="0" y="0"/>
+          <a:chExt cx="0" cy="0"/>
+        </a:xfrm>
+      </p:grpSpPr>
+      <p:pic>
+        <p:nvPicPr>
+          <p:cNvPr id="4" name="Picture 3"/>
+          <p:cNvPicPr>
+            <a:picLocks noChangeAspect="1"/>
+          </p:cNvPicPr>
+          <p:nvPr/>
+        </p:nvPicPr>
+        <p:blipFill>
+          <a:blip r:embed="rId2">
+            <a:extLst>
+              <a:ext uri="{28A0092B-C50C-407E-A947-70E740481C1C}">
+                <a14:useLocalDpi xmlns:a14="http://schemas.microsoft.com/office/drawing/2010/main" val="0"/>
+              </a:ext>
+            </a:extLst>
+          </a:blip>
+          <a:stretch>
+            <a:fillRect/>
+          </a:stretch>
+        </p:blipFill>
+        <p:spPr>
+          <a:xfrm>
+            <a:off x="0" y="0"/>
+            <a:ext cx="12192000" cy="6858000"/>
+          </a:xfrm>
+          <a:prstGeom prst="rect">
+            <a:avLst/>
+          </a:prstGeom>
+        </p:spPr>
+      </p:pic>
+      <p:sp>
+        <p:nvSpPr>
+          <p:cNvPr id="5" name="TextBox 4"/>
+          <p:cNvSpPr txBox="1"/>
+          <p:nvPr/>
+        </p:nvSpPr>
+        <p:spPr>
+          <a:xfrm>
+            <a:off x="2791326" y="5546558"/>
+            <a:ext cx="6858000" cy="461665"/>
+          </a:xfrm>
+          <a:prstGeom prst="rect">
+            <a:avLst/>
+          </a:prstGeom>
+          <a:solidFill>
+            <a:schemeClr val="bg1"/>
+          </a:solidFill>
+        </p:spPr>
+        <p:txBody>
+          <a:bodyPr wrap="square" rtlCol="0">
+            <a:spAutoFit/>
+          </a:bodyPr>
+          <a:lstStyle/>
+          <a:p>
+            <a:pPr algn="ctr"/>
+            <a:r>
+              <a:rPr lang="en-US" sz="2400" dirty="0" smtClean="0">
+                <a:latin typeface="Times New Roman" charset="0"/>
+                <a:ea typeface="Times New Roman" charset="0"/>
+                <a:cs typeface="Times New Roman" charset="0"/>
+              </a:rPr>
+              <a:t>LMP sensitivity on load variation at bus D</a:t>
+            </a:r>
+            <a:endParaRPr lang="en-US" sz="2400" dirty="0">
+              <a:latin typeface="Times New Roman" charset="0"/>
+              <a:ea typeface="Times New Roman" charset="0"/>
+              <a:cs typeface="Times New Roman" charset="0"/>
+            </a:endParaRPr>
+          </a:p>
+        </p:txBody>
+      </p:sp>
+    </p:spTree>
+    <p:extLst>
+      <p:ext uri="{BB962C8B-B14F-4D97-AF65-F5344CB8AC3E}">
+        <p14:creationId xmlns:p14="http://schemas.microsoft.com/office/powerpoint/2010/main" val="1299931150"/>
+      </p:ext>
+    </p:extLst>
+  </p:cSld>
+  <p:clrMapOvr>
+    <a:masterClrMapping/>
+  </p:clrMapOvr>
+  <p:timing>
+    <p:tnLst>
+      <p:par>
+        <p:cTn id="1" dur="indefinite" restart="never" nodeType="tmRoot"/>
+      </p:par>
+    </p:tnLst>
+  </p:timing>
+</p:sld>
+</file>
+
 <file path=ppt/slides/slide2.xml><?xml version="1.0" encoding="utf-8"?>
 <p:sld xmlns:a="http://schemas.openxmlformats.org/drawingml/2006/main" xmlns:r="http://schemas.openxmlformats.org/officeDocument/2006/relationships" xmlns:p="http://schemas.openxmlformats.org/presentationml/2006/main">
   <p:cSld>
@@ -6212,6 +6431,122 @@
     <p:extLst>
       <p:ext uri="{BB962C8B-B14F-4D97-AF65-F5344CB8AC3E}">
         <p14:creationId xmlns:p14="http://schemas.microsoft.com/office/powerpoint/2010/main" val="2116530567"/>
+      </p:ext>
+    </p:extLst>
+  </p:cSld>
+  <p:clrMapOvr>
+    <a:masterClrMapping/>
+  </p:clrMapOvr>
+  <p:timing>
+    <p:tnLst>
+      <p:par>
+        <p:cTn id="1" dur="indefinite" restart="never" nodeType="tmRoot"/>
+      </p:par>
+    </p:tnLst>
+  </p:timing>
+</p:sld>
+</file>
+
+<file path=ppt/slides/slide9.xml><?xml version="1.0" encoding="utf-8"?>
+<p:sld xmlns:a="http://schemas.openxmlformats.org/drawingml/2006/main" xmlns:r="http://schemas.openxmlformats.org/officeDocument/2006/relationships" xmlns:p="http://schemas.openxmlformats.org/presentationml/2006/main">
+  <p:cSld>
+    <p:spTree>
+      <p:nvGrpSpPr>
+        <p:cNvPr id="1" name=""/>
+        <p:cNvGrpSpPr/>
+        <p:nvPr/>
+      </p:nvGrpSpPr>
+      <p:grpSpPr>
+        <a:xfrm>
+          <a:off x="0" y="0"/>
+          <a:ext cx="0" cy="0"/>
+          <a:chOff x="0" y="0"/>
+          <a:chExt cx="0" cy="0"/>
+        </a:xfrm>
+      </p:grpSpPr>
+      <p:pic>
+        <p:nvPicPr>
+          <p:cNvPr id="4" name="Picture 3"/>
+          <p:cNvPicPr>
+            <a:picLocks noChangeAspect="1"/>
+          </p:cNvPicPr>
+          <p:nvPr/>
+        </p:nvPicPr>
+        <p:blipFill>
+          <a:blip r:embed="rId2">
+            <a:extLst>
+              <a:ext uri="{28A0092B-C50C-407E-A947-70E740481C1C}">
+                <a14:useLocalDpi xmlns:a14="http://schemas.microsoft.com/office/drawing/2010/main" val="0"/>
+              </a:ext>
+            </a:extLst>
+          </a:blip>
+          <a:stretch>
+            <a:fillRect/>
+          </a:stretch>
+        </p:blipFill>
+        <p:spPr>
+          <a:xfrm>
+            <a:off x="0" y="0"/>
+            <a:ext cx="12192000" cy="6858000"/>
+          </a:xfrm>
+          <a:prstGeom prst="rect">
+            <a:avLst/>
+          </a:prstGeom>
+        </p:spPr>
+      </p:pic>
+      <p:sp>
+        <p:nvSpPr>
+          <p:cNvPr id="5" name="TextBox 4"/>
+          <p:cNvSpPr txBox="1"/>
+          <p:nvPr/>
+        </p:nvSpPr>
+        <p:spPr>
+          <a:xfrm>
+            <a:off x="2791326" y="5546558"/>
+            <a:ext cx="6858000" cy="461665"/>
+          </a:xfrm>
+          <a:prstGeom prst="rect">
+            <a:avLst/>
+          </a:prstGeom>
+          <a:solidFill>
+            <a:schemeClr val="bg1"/>
+          </a:solidFill>
+        </p:spPr>
+        <p:txBody>
+          <a:bodyPr wrap="square" rtlCol="0">
+            <a:spAutoFit/>
+          </a:bodyPr>
+          <a:lstStyle/>
+          <a:p>
+            <a:pPr algn="ctr"/>
+            <a:r>
+              <a:rPr lang="en-US" sz="2400" dirty="0" smtClean="0">
+                <a:latin typeface="Times New Roman" charset="0"/>
+                <a:ea typeface="Times New Roman" charset="0"/>
+                <a:cs typeface="Times New Roman" charset="0"/>
+              </a:rPr>
+              <a:t>LMP sensitivity on </a:t>
+            </a:r>
+            <a:r>
+              <a:rPr lang="en-US" sz="2400" smtClean="0">
+                <a:latin typeface="Times New Roman" charset="0"/>
+                <a:ea typeface="Times New Roman" charset="0"/>
+                <a:cs typeface="Times New Roman" charset="0"/>
+              </a:rPr>
+              <a:t>load variation at bus B</a:t>
+            </a:r>
+            <a:endParaRPr lang="en-US" sz="2400">
+              <a:latin typeface="Times New Roman" charset="0"/>
+              <a:ea typeface="Times New Roman" charset="0"/>
+              <a:cs typeface="Times New Roman" charset="0"/>
+            </a:endParaRPr>
+          </a:p>
+        </p:txBody>
+      </p:sp>
+    </p:spTree>
+    <p:extLst>
+      <p:ext uri="{BB962C8B-B14F-4D97-AF65-F5344CB8AC3E}">
+        <p14:creationId xmlns:p14="http://schemas.microsoft.com/office/powerpoint/2010/main" val="1735196462"/>
       </p:ext>
     </p:extLst>
   </p:cSld>
